--- a/Circuito/Simulador de circuitos.pptx
+++ b/Circuito/Simulador de circuitos.pptx
@@ -134,6 +134,10 @@
 </p:presentation>
 </file>
 
+<file path=ppt/revisionInfo.xml><?xml version="1.0" encoding="utf-8"?>
+<p1510:revInfo xmlns:a="http://schemas.openxmlformats.org/drawingml/2006/main" xmlns:r="http://schemas.openxmlformats.org/officeDocument/2006/relationships" xmlns:p1510="http://schemas.microsoft.com/office/powerpoint/2015/10/main"/>
+</file>
+
 <file path=ppt/slideLayouts/slideLayout1.xml><?xml version="1.0" encoding="utf-8"?>
 <p:sldLayout xmlns:a="http://schemas.openxmlformats.org/drawingml/2006/main" xmlns:r="http://schemas.openxmlformats.org/officeDocument/2006/relationships" xmlns:p="http://schemas.openxmlformats.org/presentationml/2006/main" showMasterSp="0" type="title" preserve="1">
   <p:cSld name="Diapositiva de título">
@@ -191,7 +195,7 @@
           <a:noFill/>
           <a:extLst>
             <a:ext uri="{909E8E84-426E-40dd-AFC4-6F175D3DCCD1}">
-              <a14:hiddenFill xmlns="" xmlns:a14="http://schemas.microsoft.com/office/drawing/2010/main">
+              <a14:hiddenFill xmlns:a14="http://schemas.microsoft.com/office/drawing/2010/main" xmlns="">
                 <a:solidFill>
                   <a:srgbClr val="FFFFFF"/>
                 </a:solidFill>
@@ -250,7 +254,7 @@
             </a:ln>
             <a:extLst>
               <a:ext uri="{91240B29-F687-4f45-9708-019B960494DF}">
-                <a14:hiddenLine xmlns="" xmlns:a14="http://schemas.microsoft.com/office/drawing/2010/main" w="9525">
+                <a14:hiddenLine xmlns:a14="http://schemas.microsoft.com/office/drawing/2010/main" xmlns="" w="9525">
                   <a:solidFill>
                     <a:srgbClr val="000000"/>
                   </a:solidFill>
@@ -340,7 +344,7 @@
             </a:ln>
             <a:extLst>
               <a:ext uri="{91240B29-F687-4f45-9708-019B960494DF}">
-                <a14:hiddenLine xmlns="" xmlns:a14="http://schemas.microsoft.com/office/drawing/2010/main" w="9525">
+                <a14:hiddenLine xmlns:a14="http://schemas.microsoft.com/office/drawing/2010/main" xmlns="" w="9525">
                   <a:solidFill>
                     <a:srgbClr val="000000"/>
                   </a:solidFill>
@@ -430,7 +434,7 @@
             </a:ln>
             <a:extLst>
               <a:ext uri="{91240B29-F687-4f45-9708-019B960494DF}">
-                <a14:hiddenLine xmlns="" xmlns:a14="http://schemas.microsoft.com/office/drawing/2010/main" w="9525">
+                <a14:hiddenLine xmlns:a14="http://schemas.microsoft.com/office/drawing/2010/main" xmlns="" w="9525">
                   <a:solidFill>
                     <a:srgbClr val="000000"/>
                   </a:solidFill>
@@ -464,7 +468,7 @@
             </a:ln>
             <a:extLst>
               <a:ext uri="{91240B29-F687-4f45-9708-019B960494DF}">
-                <a14:hiddenLine xmlns="" xmlns:a14="http://schemas.microsoft.com/office/drawing/2010/main" w="9525">
+                <a14:hiddenLine xmlns:a14="http://schemas.microsoft.com/office/drawing/2010/main" xmlns="" w="9525">
                   <a:solidFill>
                     <a:srgbClr val="000000"/>
                   </a:solidFill>
@@ -554,7 +558,7 @@
             </a:ln>
             <a:extLst>
               <a:ext uri="{91240B29-F687-4f45-9708-019B960494DF}">
-                <a14:hiddenLine xmlns="" xmlns:a14="http://schemas.microsoft.com/office/drawing/2010/main" w="9525">
+                <a14:hiddenLine xmlns:a14="http://schemas.microsoft.com/office/drawing/2010/main" xmlns="" w="9525">
                   <a:solidFill>
                     <a:srgbClr val="000000"/>
                   </a:solidFill>
@@ -616,7 +620,7 @@
             </a:ln>
             <a:extLst>
               <a:ext uri="{91240B29-F687-4f45-9708-019B960494DF}">
-                <a14:hiddenLine xmlns="" xmlns:a14="http://schemas.microsoft.com/office/drawing/2010/main" w="9525">
+                <a14:hiddenLine xmlns:a14="http://schemas.microsoft.com/office/drawing/2010/main" xmlns="" w="9525">
                   <a:solidFill>
                     <a:srgbClr val="000000"/>
                   </a:solidFill>
@@ -678,7 +682,7 @@
             </a:ln>
             <a:extLst>
               <a:ext uri="{91240B29-F687-4f45-9708-019B960494DF}">
-                <a14:hiddenLine xmlns="" xmlns:a14="http://schemas.microsoft.com/office/drawing/2010/main" w="9525">
+                <a14:hiddenLine xmlns:a14="http://schemas.microsoft.com/office/drawing/2010/main" xmlns="" w="9525">
                   <a:solidFill>
                     <a:srgbClr val="000000"/>
                   </a:solidFill>
@@ -768,7 +772,7 @@
             </a:ln>
             <a:extLst>
               <a:ext uri="{91240B29-F687-4f45-9708-019B960494DF}">
-                <a14:hiddenLine xmlns="" xmlns:a14="http://schemas.microsoft.com/office/drawing/2010/main" w="9525">
+                <a14:hiddenLine xmlns:a14="http://schemas.microsoft.com/office/drawing/2010/main" xmlns="" w="9525">
                   <a:solidFill>
                     <a:srgbClr val="000000"/>
                   </a:solidFill>
@@ -830,7 +834,7 @@
             </a:ln>
             <a:extLst>
               <a:ext uri="{91240B29-F687-4f45-9708-019B960494DF}">
-                <a14:hiddenLine xmlns="" xmlns:a14="http://schemas.microsoft.com/office/drawing/2010/main" w="9525">
+                <a14:hiddenLine xmlns:a14="http://schemas.microsoft.com/office/drawing/2010/main" xmlns="" w="9525">
                   <a:solidFill>
                     <a:srgbClr val="000000"/>
                   </a:solidFill>
@@ -892,7 +896,7 @@
             </a:ln>
             <a:extLst>
               <a:ext uri="{91240B29-F687-4f45-9708-019B960494DF}">
-                <a14:hiddenLine xmlns="" xmlns:a14="http://schemas.microsoft.com/office/drawing/2010/main" w="9525">
+                <a14:hiddenLine xmlns:a14="http://schemas.microsoft.com/office/drawing/2010/main" xmlns="" w="9525">
                   <a:solidFill>
                     <a:srgbClr val="000000"/>
                   </a:solidFill>
@@ -982,7 +986,7 @@
             </a:ln>
             <a:extLst>
               <a:ext uri="{91240B29-F687-4f45-9708-019B960494DF}">
-                <a14:hiddenLine xmlns="" xmlns:a14="http://schemas.microsoft.com/office/drawing/2010/main" w="9525">
+                <a14:hiddenLine xmlns:a14="http://schemas.microsoft.com/office/drawing/2010/main" xmlns="" w="9525">
                   <a:solidFill>
                     <a:srgbClr val="000000"/>
                   </a:solidFill>
@@ -1072,7 +1076,7 @@
             </a:ln>
             <a:extLst>
               <a:ext uri="{91240B29-F687-4f45-9708-019B960494DF}">
-                <a14:hiddenLine xmlns="" xmlns:a14="http://schemas.microsoft.com/office/drawing/2010/main" w="9525">
+                <a14:hiddenLine xmlns:a14="http://schemas.microsoft.com/office/drawing/2010/main" xmlns="" w="9525">
                   <a:solidFill>
                     <a:srgbClr val="000000"/>
                   </a:solidFill>
@@ -1134,7 +1138,7 @@
             </a:ln>
             <a:extLst>
               <a:ext uri="{91240B29-F687-4f45-9708-019B960494DF}">
-                <a14:hiddenLine xmlns="" xmlns:a14="http://schemas.microsoft.com/office/drawing/2010/main" w="9525">
+                <a14:hiddenLine xmlns:a14="http://schemas.microsoft.com/office/drawing/2010/main" xmlns="" w="9525">
                   <a:solidFill>
                     <a:srgbClr val="000000"/>
                   </a:solidFill>
@@ -1244,7 +1248,7 @@
             </a:ln>
             <a:extLst>
               <a:ext uri="{91240B29-F687-4f45-9708-019B960494DF}">
-                <a14:hiddenLine xmlns="" xmlns:a14="http://schemas.microsoft.com/office/drawing/2010/main" w="9525">
+                <a14:hiddenLine xmlns:a14="http://schemas.microsoft.com/office/drawing/2010/main" xmlns="" w="9525">
                   <a:solidFill>
                     <a:srgbClr val="000000"/>
                   </a:solidFill>
@@ -1306,7 +1310,7 @@
             </a:ln>
             <a:extLst>
               <a:ext uri="{91240B29-F687-4f45-9708-019B960494DF}">
-                <a14:hiddenLine xmlns="" xmlns:a14="http://schemas.microsoft.com/office/drawing/2010/main" w="9525">
+                <a14:hiddenLine xmlns:a14="http://schemas.microsoft.com/office/drawing/2010/main" xmlns="" w="9525">
                   <a:solidFill>
                     <a:srgbClr val="000000"/>
                   </a:solidFill>
@@ -1396,7 +1400,7 @@
             </a:ln>
             <a:extLst>
               <a:ext uri="{91240B29-F687-4f45-9708-019B960494DF}">
-                <a14:hiddenLine xmlns="" xmlns:a14="http://schemas.microsoft.com/office/drawing/2010/main" w="9525">
+                <a14:hiddenLine xmlns:a14="http://schemas.microsoft.com/office/drawing/2010/main" xmlns="" w="9525">
                   <a:solidFill>
                     <a:srgbClr val="000000"/>
                   </a:solidFill>
@@ -1486,7 +1490,7 @@
             </a:ln>
             <a:extLst>
               <a:ext uri="{91240B29-F687-4f45-9708-019B960494DF}">
-                <a14:hiddenLine xmlns="" xmlns:a14="http://schemas.microsoft.com/office/drawing/2010/main" w="9525">
+                <a14:hiddenLine xmlns:a14="http://schemas.microsoft.com/office/drawing/2010/main" xmlns="" w="9525">
                   <a:solidFill>
                     <a:srgbClr val="000000"/>
                   </a:solidFill>
@@ -1548,7 +1552,7 @@
             </a:ln>
             <a:extLst>
               <a:ext uri="{91240B29-F687-4f45-9708-019B960494DF}">
-                <a14:hiddenLine xmlns="" xmlns:a14="http://schemas.microsoft.com/office/drawing/2010/main" w="9525">
+                <a14:hiddenLine xmlns:a14="http://schemas.microsoft.com/office/drawing/2010/main" xmlns="" w="9525">
                   <a:solidFill>
                     <a:srgbClr val="000000"/>
                   </a:solidFill>
@@ -1638,7 +1642,7 @@
             </a:ln>
             <a:extLst>
               <a:ext uri="{91240B29-F687-4f45-9708-019B960494DF}">
-                <a14:hiddenLine xmlns="" xmlns:a14="http://schemas.microsoft.com/office/drawing/2010/main" w="9525">
+                <a14:hiddenLine xmlns:a14="http://schemas.microsoft.com/office/drawing/2010/main" xmlns="" w="9525">
                   <a:solidFill>
                     <a:srgbClr val="000000"/>
                   </a:solidFill>
@@ -1728,7 +1732,7 @@
             </a:ln>
             <a:extLst>
               <a:ext uri="{91240B29-F687-4f45-9708-019B960494DF}">
-                <a14:hiddenLine xmlns="" xmlns:a14="http://schemas.microsoft.com/office/drawing/2010/main" w="9525">
+                <a14:hiddenLine xmlns:a14="http://schemas.microsoft.com/office/drawing/2010/main" xmlns="" w="9525">
                   <a:solidFill>
                     <a:srgbClr val="000000"/>
                   </a:solidFill>
@@ -1784,7 +1788,7 @@
             </a:ln>
             <a:extLst>
               <a:ext uri="{91240B29-F687-4f45-9708-019B960494DF}">
-                <a14:hiddenLine xmlns="" xmlns:a14="http://schemas.microsoft.com/office/drawing/2010/main" w="9525">
+                <a14:hiddenLine xmlns:a14="http://schemas.microsoft.com/office/drawing/2010/main" xmlns="" w="9525">
                   <a:solidFill>
                     <a:srgbClr val="000000"/>
                   </a:solidFill>
@@ -1874,7 +1878,7 @@
             </a:ln>
             <a:extLst>
               <a:ext uri="{91240B29-F687-4f45-9708-019B960494DF}">
-                <a14:hiddenLine xmlns="" xmlns:a14="http://schemas.microsoft.com/office/drawing/2010/main" w="9525">
+                <a14:hiddenLine xmlns:a14="http://schemas.microsoft.com/office/drawing/2010/main" xmlns="" w="9525">
                   <a:solidFill>
                     <a:srgbClr val="000000"/>
                   </a:solidFill>
@@ -1930,7 +1934,7 @@
             </a:ln>
             <a:extLst>
               <a:ext uri="{91240B29-F687-4f45-9708-019B960494DF}">
-                <a14:hiddenLine xmlns="" xmlns:a14="http://schemas.microsoft.com/office/drawing/2010/main" w="9525">
+                <a14:hiddenLine xmlns:a14="http://schemas.microsoft.com/office/drawing/2010/main" xmlns="" w="9525">
                   <a:solidFill>
                     <a:srgbClr val="000000"/>
                   </a:solidFill>
@@ -2020,7 +2024,7 @@
             </a:ln>
             <a:extLst>
               <a:ext uri="{91240B29-F687-4f45-9708-019B960494DF}">
-                <a14:hiddenLine xmlns="" xmlns:a14="http://schemas.microsoft.com/office/drawing/2010/main" w="9525">
+                <a14:hiddenLine xmlns:a14="http://schemas.microsoft.com/office/drawing/2010/main" xmlns="" w="9525">
                   <a:solidFill>
                     <a:srgbClr val="000000"/>
                   </a:solidFill>
@@ -2088,7 +2092,7 @@
             </a:ln>
             <a:extLst>
               <a:ext uri="{91240B29-F687-4f45-9708-019B960494DF}">
-                <a14:hiddenLine xmlns="" xmlns:a14="http://schemas.microsoft.com/office/drawing/2010/main" w="9525">
+                <a14:hiddenLine xmlns:a14="http://schemas.microsoft.com/office/drawing/2010/main" xmlns="" w="9525">
                   <a:solidFill>
                     <a:srgbClr val="000000"/>
                   </a:solidFill>
@@ -2178,7 +2182,7 @@
             </a:ln>
             <a:extLst>
               <a:ext uri="{91240B29-F687-4f45-9708-019B960494DF}">
-                <a14:hiddenLine xmlns="" xmlns:a14="http://schemas.microsoft.com/office/drawing/2010/main" w="9525">
+                <a14:hiddenLine xmlns:a14="http://schemas.microsoft.com/office/drawing/2010/main" xmlns="" w="9525">
                   <a:solidFill>
                     <a:srgbClr val="000000"/>
                   </a:solidFill>
@@ -2246,7 +2250,7 @@
             </a:ln>
             <a:extLst>
               <a:ext uri="{91240B29-F687-4f45-9708-019B960494DF}">
-                <a14:hiddenLine xmlns="" xmlns:a14="http://schemas.microsoft.com/office/drawing/2010/main" w="9525">
+                <a14:hiddenLine xmlns:a14="http://schemas.microsoft.com/office/drawing/2010/main" xmlns="" w="9525">
                   <a:solidFill>
                     <a:srgbClr val="000000"/>
                   </a:solidFill>
@@ -2336,7 +2340,7 @@
             </a:ln>
             <a:extLst>
               <a:ext uri="{91240B29-F687-4f45-9708-019B960494DF}">
-                <a14:hiddenLine xmlns="" xmlns:a14="http://schemas.microsoft.com/office/drawing/2010/main" w="9525">
+                <a14:hiddenLine xmlns:a14="http://schemas.microsoft.com/office/drawing/2010/main" xmlns="" w="9525">
                   <a:solidFill>
                     <a:srgbClr val="000000"/>
                   </a:solidFill>
@@ -2370,7 +2374,7 @@
             </a:ln>
             <a:extLst>
               <a:ext uri="{91240B29-F687-4f45-9708-019B960494DF}">
-                <a14:hiddenLine xmlns="" xmlns:a14="http://schemas.microsoft.com/office/drawing/2010/main" w="9525">
+                <a14:hiddenLine xmlns:a14="http://schemas.microsoft.com/office/drawing/2010/main" xmlns="" w="9525">
                   <a:solidFill>
                     <a:srgbClr val="000000"/>
                   </a:solidFill>
@@ -2460,7 +2464,7 @@
             </a:ln>
             <a:extLst>
               <a:ext uri="{91240B29-F687-4f45-9708-019B960494DF}">
-                <a14:hiddenLine xmlns="" xmlns:a14="http://schemas.microsoft.com/office/drawing/2010/main" w="9525">
+                <a14:hiddenLine xmlns:a14="http://schemas.microsoft.com/office/drawing/2010/main" xmlns="" w="9525">
                   <a:solidFill>
                     <a:srgbClr val="000000"/>
                   </a:solidFill>
@@ -2522,7 +2526,7 @@
             </a:ln>
             <a:extLst>
               <a:ext uri="{91240B29-F687-4f45-9708-019B960494DF}">
-                <a14:hiddenLine xmlns="" xmlns:a14="http://schemas.microsoft.com/office/drawing/2010/main" w="9525">
+                <a14:hiddenLine xmlns:a14="http://schemas.microsoft.com/office/drawing/2010/main" xmlns="" w="9525">
                   <a:solidFill>
                     <a:srgbClr val="000000"/>
                   </a:solidFill>
@@ -2584,7 +2588,7 @@
             </a:ln>
             <a:extLst>
               <a:ext uri="{91240B29-F687-4f45-9708-019B960494DF}">
-                <a14:hiddenLine xmlns="" xmlns:a14="http://schemas.microsoft.com/office/drawing/2010/main" w="9525">
+                <a14:hiddenLine xmlns:a14="http://schemas.microsoft.com/office/drawing/2010/main" xmlns="" w="9525">
                   <a:solidFill>
                     <a:srgbClr val="000000"/>
                   </a:solidFill>
@@ -2674,7 +2678,7 @@
             </a:ln>
             <a:extLst>
               <a:ext uri="{91240B29-F687-4f45-9708-019B960494DF}">
-                <a14:hiddenLine xmlns="" xmlns:a14="http://schemas.microsoft.com/office/drawing/2010/main" w="9525">
+                <a14:hiddenLine xmlns:a14="http://schemas.microsoft.com/office/drawing/2010/main" xmlns="" w="9525">
                   <a:solidFill>
                     <a:srgbClr val="000000"/>
                   </a:solidFill>
@@ -2742,7 +2746,7 @@
             </a:ln>
             <a:extLst>
               <a:ext uri="{91240B29-F687-4f45-9708-019B960494DF}">
-                <a14:hiddenLine xmlns="" xmlns:a14="http://schemas.microsoft.com/office/drawing/2010/main" w="9525">
+                <a14:hiddenLine xmlns:a14="http://schemas.microsoft.com/office/drawing/2010/main" xmlns="" w="9525">
                   <a:solidFill>
                     <a:srgbClr val="000000"/>
                   </a:solidFill>
@@ -2804,7 +2808,7 @@
             </a:ln>
             <a:extLst>
               <a:ext uri="{91240B29-F687-4f45-9708-019B960494DF}">
-                <a14:hiddenLine xmlns="" xmlns:a14="http://schemas.microsoft.com/office/drawing/2010/main" w="9525">
+                <a14:hiddenLine xmlns:a14="http://schemas.microsoft.com/office/drawing/2010/main" xmlns="" w="9525">
                   <a:solidFill>
                     <a:srgbClr val="000000"/>
                   </a:solidFill>
@@ -2894,7 +2898,7 @@
             </a:ln>
             <a:extLst>
               <a:ext uri="{91240B29-F687-4f45-9708-019B960494DF}">
-                <a14:hiddenLine xmlns="" xmlns:a14="http://schemas.microsoft.com/office/drawing/2010/main" w="9525">
+                <a14:hiddenLine xmlns:a14="http://schemas.microsoft.com/office/drawing/2010/main" xmlns="" w="9525">
                   <a:solidFill>
                     <a:srgbClr val="000000"/>
                   </a:solidFill>
@@ -2956,7 +2960,7 @@
             </a:ln>
             <a:extLst>
               <a:ext uri="{91240B29-F687-4f45-9708-019B960494DF}">
-                <a14:hiddenLine xmlns="" xmlns:a14="http://schemas.microsoft.com/office/drawing/2010/main" w="9525">
+                <a14:hiddenLine xmlns:a14="http://schemas.microsoft.com/office/drawing/2010/main" xmlns="" w="9525">
                   <a:solidFill>
                     <a:srgbClr val="000000"/>
                   </a:solidFill>
@@ -3046,7 +3050,7 @@
             </a:ln>
             <a:extLst>
               <a:ext uri="{91240B29-F687-4f45-9708-019B960494DF}">
-                <a14:hiddenLine xmlns="" xmlns:a14="http://schemas.microsoft.com/office/drawing/2010/main" w="9525">
+                <a14:hiddenLine xmlns:a14="http://schemas.microsoft.com/office/drawing/2010/main" xmlns="" w="9525">
                   <a:solidFill>
                     <a:srgbClr val="000000"/>
                   </a:solidFill>
@@ -3108,7 +3112,7 @@
             </a:ln>
             <a:extLst>
               <a:ext uri="{91240B29-F687-4f45-9708-019B960494DF}">
-                <a14:hiddenLine xmlns="" xmlns:a14="http://schemas.microsoft.com/office/drawing/2010/main" w="9525">
+                <a14:hiddenLine xmlns:a14="http://schemas.microsoft.com/office/drawing/2010/main" xmlns="" w="9525">
                   <a:solidFill>
                     <a:srgbClr val="000000"/>
                   </a:solidFill>
@@ -3198,7 +3202,7 @@
             </a:ln>
             <a:extLst>
               <a:ext uri="{91240B29-F687-4f45-9708-019B960494DF}">
-                <a14:hiddenLine xmlns="" xmlns:a14="http://schemas.microsoft.com/office/drawing/2010/main" w="9525">
+                <a14:hiddenLine xmlns:a14="http://schemas.microsoft.com/office/drawing/2010/main" xmlns="" w="9525">
                   <a:solidFill>
                     <a:srgbClr val="000000"/>
                   </a:solidFill>
@@ -3232,7 +3236,7 @@
             </a:ln>
             <a:extLst>
               <a:ext uri="{91240B29-F687-4f45-9708-019B960494DF}">
-                <a14:hiddenLine xmlns="" xmlns:a14="http://schemas.microsoft.com/office/drawing/2010/main" w="9525">
+                <a14:hiddenLine xmlns:a14="http://schemas.microsoft.com/office/drawing/2010/main" xmlns="" w="9525">
                   <a:solidFill>
                     <a:srgbClr val="000000"/>
                   </a:solidFill>
@@ -3297,7 +3301,7 @@
             </a:ln>
             <a:extLst>
               <a:ext uri="{91240B29-F687-4f45-9708-019B960494DF}">
-                <a14:hiddenLine xmlns="" xmlns:a14="http://schemas.microsoft.com/office/drawing/2010/main" w="9525">
+                <a14:hiddenLine xmlns:a14="http://schemas.microsoft.com/office/drawing/2010/main" xmlns="" w="9525">
                   <a:solidFill>
                     <a:srgbClr val="000000"/>
                   </a:solidFill>
@@ -3387,7 +3391,7 @@
             </a:ln>
             <a:extLst>
               <a:ext uri="{91240B29-F687-4f45-9708-019B960494DF}">
-                <a14:hiddenLine xmlns="" xmlns:a14="http://schemas.microsoft.com/office/drawing/2010/main" w="9525">
+                <a14:hiddenLine xmlns:a14="http://schemas.microsoft.com/office/drawing/2010/main" xmlns="" w="9525">
                   <a:solidFill>
                     <a:srgbClr val="000000"/>
                   </a:solidFill>
@@ -3449,7 +3453,7 @@
             </a:ln>
             <a:extLst>
               <a:ext uri="{91240B29-F687-4f45-9708-019B960494DF}">
-                <a14:hiddenLine xmlns="" xmlns:a14="http://schemas.microsoft.com/office/drawing/2010/main" w="9525">
+                <a14:hiddenLine xmlns:a14="http://schemas.microsoft.com/office/drawing/2010/main" xmlns="" w="9525">
                   <a:solidFill>
                     <a:srgbClr val="000000"/>
                   </a:solidFill>
@@ -3539,7 +3543,7 @@
             </a:ln>
             <a:extLst>
               <a:ext uri="{91240B29-F687-4f45-9708-019B960494DF}">
-                <a14:hiddenLine xmlns="" xmlns:a14="http://schemas.microsoft.com/office/drawing/2010/main" w="9525">
+                <a14:hiddenLine xmlns:a14="http://schemas.microsoft.com/office/drawing/2010/main" xmlns="" w="9525">
                   <a:solidFill>
                     <a:srgbClr val="000000"/>
                   </a:solidFill>
@@ -3629,7 +3633,7 @@
             </a:ln>
             <a:extLst>
               <a:ext uri="{91240B29-F687-4f45-9708-019B960494DF}">
-                <a14:hiddenLine xmlns="" xmlns:a14="http://schemas.microsoft.com/office/drawing/2010/main" w="9525">
+                <a14:hiddenLine xmlns:a14="http://schemas.microsoft.com/office/drawing/2010/main" xmlns="" w="9525">
                   <a:solidFill>
                     <a:srgbClr val="000000"/>
                   </a:solidFill>
@@ -3694,7 +3698,7 @@
             </a:ln>
             <a:extLst>
               <a:ext uri="{91240B29-F687-4f45-9708-019B960494DF}">
-                <a14:hiddenLine xmlns="" xmlns:a14="http://schemas.microsoft.com/office/drawing/2010/main" w="9525">
+                <a14:hiddenLine xmlns:a14="http://schemas.microsoft.com/office/drawing/2010/main" xmlns="" w="9525">
                   <a:solidFill>
                     <a:srgbClr val="000000"/>
                   </a:solidFill>
@@ -3756,7 +3760,7 @@
             </a:ln>
             <a:extLst>
               <a:ext uri="{91240B29-F687-4f45-9708-019B960494DF}">
-                <a14:hiddenLine xmlns="" xmlns:a14="http://schemas.microsoft.com/office/drawing/2010/main" w="9525">
+                <a14:hiddenLine xmlns:a14="http://schemas.microsoft.com/office/drawing/2010/main" xmlns="" w="9525">
                   <a:solidFill>
                     <a:srgbClr val="000000"/>
                   </a:solidFill>
@@ -3846,7 +3850,7 @@
             </a:ln>
             <a:extLst>
               <a:ext uri="{91240B29-F687-4f45-9708-019B960494DF}">
-                <a14:hiddenLine xmlns="" xmlns:a14="http://schemas.microsoft.com/office/drawing/2010/main" w="9525">
+                <a14:hiddenLine xmlns:a14="http://schemas.microsoft.com/office/drawing/2010/main" xmlns="" w="9525">
                   <a:solidFill>
                     <a:srgbClr val="000000"/>
                   </a:solidFill>
@@ -3936,7 +3940,7 @@
             </a:ln>
             <a:extLst>
               <a:ext uri="{91240B29-F687-4f45-9708-019B960494DF}">
-                <a14:hiddenLine xmlns="" xmlns:a14="http://schemas.microsoft.com/office/drawing/2010/main" w="9525">
+                <a14:hiddenLine xmlns:a14="http://schemas.microsoft.com/office/drawing/2010/main" xmlns="" w="9525">
                   <a:solidFill>
                     <a:srgbClr val="000000"/>
                   </a:solidFill>
@@ -3998,7 +4002,7 @@
             </a:ln>
             <a:extLst>
               <a:ext uri="{91240B29-F687-4f45-9708-019B960494DF}">
-                <a14:hiddenLine xmlns="" xmlns:a14="http://schemas.microsoft.com/office/drawing/2010/main" w="9525">
+                <a14:hiddenLine xmlns:a14="http://schemas.microsoft.com/office/drawing/2010/main" xmlns="" w="9525">
                   <a:solidFill>
                     <a:srgbClr val="000000"/>
                   </a:solidFill>
@@ -4118,7 +4122,7 @@
             </a:ln>
             <a:extLst>
               <a:ext uri="{91240B29-F687-4f45-9708-019B960494DF}">
-                <a14:hiddenLine xmlns="" xmlns:a14="http://schemas.microsoft.com/office/drawing/2010/main" w="9525">
+                <a14:hiddenLine xmlns:a14="http://schemas.microsoft.com/office/drawing/2010/main" xmlns="" w="9525">
                   <a:solidFill>
                     <a:srgbClr val="000000"/>
                   </a:solidFill>
@@ -4186,7 +4190,7 @@
             </a:ln>
             <a:extLst>
               <a:ext uri="{91240B29-F687-4f45-9708-019B960494DF}">
-                <a14:hiddenLine xmlns="" xmlns:a14="http://schemas.microsoft.com/office/drawing/2010/main" w="9525">
+                <a14:hiddenLine xmlns:a14="http://schemas.microsoft.com/office/drawing/2010/main" xmlns="" w="9525">
                   <a:solidFill>
                     <a:srgbClr val="000000"/>
                   </a:solidFill>
@@ -4276,7 +4280,7 @@
             </a:ln>
             <a:extLst>
               <a:ext uri="{91240B29-F687-4f45-9708-019B960494DF}">
-                <a14:hiddenLine xmlns="" xmlns:a14="http://schemas.microsoft.com/office/drawing/2010/main" w="9525">
+                <a14:hiddenLine xmlns:a14="http://schemas.microsoft.com/office/drawing/2010/main" xmlns="" w="9525">
                   <a:solidFill>
                     <a:srgbClr val="000000"/>
                   </a:solidFill>
@@ -9005,7 +9009,7 @@
           <a:noFill/>
           <a:extLst>
             <a:ext uri="{909E8E84-426E-40dd-AFC4-6F175D3DCCD1}">
-              <a14:hiddenFill xmlns="" xmlns:a14="http://schemas.microsoft.com/office/drawing/2010/main">
+              <a14:hiddenFill xmlns:a14="http://schemas.microsoft.com/office/drawing/2010/main" xmlns="">
                 <a:solidFill>
                   <a:srgbClr val="FFFFFF"/>
                 </a:solidFill>
@@ -9079,7 +9083,7 @@
               </a:ln>
               <a:extLst>
                 <a:ext uri="{91240B29-F687-4f45-9708-019B960494DF}">
-                  <a14:hiddenLine xmlns="" xmlns:a14="http://schemas.microsoft.com/office/drawing/2010/main" w="9525">
+                  <a14:hiddenLine xmlns:a14="http://schemas.microsoft.com/office/drawing/2010/main" xmlns="" w="9525">
                     <a:solidFill>
                       <a:srgbClr val="000000"/>
                     </a:solidFill>
@@ -9169,7 +9173,7 @@
               </a:ln>
               <a:extLst>
                 <a:ext uri="{91240B29-F687-4f45-9708-019B960494DF}">
-                  <a14:hiddenLine xmlns="" xmlns:a14="http://schemas.microsoft.com/office/drawing/2010/main" w="9525">
+                  <a14:hiddenLine xmlns:a14="http://schemas.microsoft.com/office/drawing/2010/main" xmlns="" w="9525">
                     <a:solidFill>
                       <a:srgbClr val="000000"/>
                     </a:solidFill>
@@ -9259,7 +9263,7 @@
               </a:ln>
               <a:extLst>
                 <a:ext uri="{91240B29-F687-4f45-9708-019B960494DF}">
-                  <a14:hiddenLine xmlns="" xmlns:a14="http://schemas.microsoft.com/office/drawing/2010/main" w="9525">
+                  <a14:hiddenLine xmlns:a14="http://schemas.microsoft.com/office/drawing/2010/main" xmlns="" w="9525">
                     <a:solidFill>
                       <a:srgbClr val="000000"/>
                     </a:solidFill>
@@ -9321,7 +9325,7 @@
               </a:ln>
               <a:extLst>
                 <a:ext uri="{91240B29-F687-4f45-9708-019B960494DF}">
-                  <a14:hiddenLine xmlns="" xmlns:a14="http://schemas.microsoft.com/office/drawing/2010/main" w="9525">
+                  <a14:hiddenLine xmlns:a14="http://schemas.microsoft.com/office/drawing/2010/main" xmlns="" w="9525">
                     <a:solidFill>
                       <a:srgbClr val="000000"/>
                     </a:solidFill>
@@ -9411,7 +9415,7 @@
               </a:ln>
               <a:extLst>
                 <a:ext uri="{91240B29-F687-4f45-9708-019B960494DF}">
-                  <a14:hiddenLine xmlns="" xmlns:a14="http://schemas.microsoft.com/office/drawing/2010/main" w="9525">
+                  <a14:hiddenLine xmlns:a14="http://schemas.microsoft.com/office/drawing/2010/main" xmlns="" w="9525">
                     <a:solidFill>
                       <a:srgbClr val="000000"/>
                     </a:solidFill>
@@ -9473,7 +9477,7 @@
               </a:ln>
               <a:extLst>
                 <a:ext uri="{91240B29-F687-4f45-9708-019B960494DF}">
-                  <a14:hiddenLine xmlns="" xmlns:a14="http://schemas.microsoft.com/office/drawing/2010/main" w="9525">
+                  <a14:hiddenLine xmlns:a14="http://schemas.microsoft.com/office/drawing/2010/main" xmlns="" w="9525">
                     <a:solidFill>
                       <a:srgbClr val="000000"/>
                     </a:solidFill>
@@ -9535,7 +9539,7 @@
               </a:ln>
               <a:extLst>
                 <a:ext uri="{91240B29-F687-4f45-9708-019B960494DF}">
-                  <a14:hiddenLine xmlns="" xmlns:a14="http://schemas.microsoft.com/office/drawing/2010/main" w="9525">
+                  <a14:hiddenLine xmlns:a14="http://schemas.microsoft.com/office/drawing/2010/main" xmlns="" w="9525">
                     <a:solidFill>
                       <a:srgbClr val="000000"/>
                     </a:solidFill>
@@ -9625,7 +9629,7 @@
               </a:ln>
               <a:extLst>
                 <a:ext uri="{91240B29-F687-4f45-9708-019B960494DF}">
-                  <a14:hiddenLine xmlns="" xmlns:a14="http://schemas.microsoft.com/office/drawing/2010/main" w="9525">
+                  <a14:hiddenLine xmlns:a14="http://schemas.microsoft.com/office/drawing/2010/main" xmlns="" w="9525">
                     <a:solidFill>
                       <a:srgbClr val="000000"/>
                     </a:solidFill>
@@ -9715,7 +9719,7 @@
               </a:ln>
               <a:extLst>
                 <a:ext uri="{91240B29-F687-4f45-9708-019B960494DF}">
-                  <a14:hiddenLine xmlns="" xmlns:a14="http://schemas.microsoft.com/office/drawing/2010/main" w="9525">
+                  <a14:hiddenLine xmlns:a14="http://schemas.microsoft.com/office/drawing/2010/main" xmlns="" w="9525">
                     <a:solidFill>
                       <a:srgbClr val="000000"/>
                     </a:solidFill>
@@ -9777,7 +9781,7 @@
               </a:ln>
               <a:extLst>
                 <a:ext uri="{91240B29-F687-4f45-9708-019B960494DF}">
-                  <a14:hiddenLine xmlns="" xmlns:a14="http://schemas.microsoft.com/office/drawing/2010/main" w="9525">
+                  <a14:hiddenLine xmlns:a14="http://schemas.microsoft.com/office/drawing/2010/main" xmlns="" w="9525">
                     <a:solidFill>
                       <a:srgbClr val="000000"/>
                     </a:solidFill>
@@ -9887,7 +9891,7 @@
               </a:ln>
               <a:extLst>
                 <a:ext uri="{91240B29-F687-4f45-9708-019B960494DF}">
-                  <a14:hiddenLine xmlns="" xmlns:a14="http://schemas.microsoft.com/office/drawing/2010/main" w="9525">
+                  <a14:hiddenLine xmlns:a14="http://schemas.microsoft.com/office/drawing/2010/main" xmlns="" w="9525">
                     <a:solidFill>
                       <a:srgbClr val="000000"/>
                     </a:solidFill>
@@ -9971,7 +9975,7 @@
               </a:ln>
               <a:extLst>
                 <a:ext uri="{91240B29-F687-4f45-9708-019B960494DF}">
-                  <a14:hiddenLine xmlns="" xmlns:a14="http://schemas.microsoft.com/office/drawing/2010/main" w="9525">
+                  <a14:hiddenLine xmlns:a14="http://schemas.microsoft.com/office/drawing/2010/main" xmlns="" w="9525">
                     <a:solidFill>
                       <a:srgbClr val="000000"/>
                     </a:solidFill>
@@ -10033,7 +10037,7 @@
               </a:ln>
               <a:extLst>
                 <a:ext uri="{91240B29-F687-4f45-9708-019B960494DF}">
-                  <a14:hiddenLine xmlns="" xmlns:a14="http://schemas.microsoft.com/office/drawing/2010/main" w="9525">
+                  <a14:hiddenLine xmlns:a14="http://schemas.microsoft.com/office/drawing/2010/main" xmlns="" w="9525">
                     <a:solidFill>
                       <a:srgbClr val="000000"/>
                     </a:solidFill>
@@ -10095,7 +10099,7 @@
               </a:ln>
               <a:extLst>
                 <a:ext uri="{91240B29-F687-4f45-9708-019B960494DF}">
-                  <a14:hiddenLine xmlns="" xmlns:a14="http://schemas.microsoft.com/office/drawing/2010/main" w="9525">
+                  <a14:hiddenLine xmlns:a14="http://schemas.microsoft.com/office/drawing/2010/main" xmlns="" w="9525">
                     <a:solidFill>
                       <a:srgbClr val="000000"/>
                     </a:solidFill>
@@ -10185,7 +10189,7 @@
               </a:ln>
               <a:extLst>
                 <a:ext uri="{91240B29-F687-4f45-9708-019B960494DF}">
-                  <a14:hiddenLine xmlns="" xmlns:a14="http://schemas.microsoft.com/office/drawing/2010/main" w="9525">
+                  <a14:hiddenLine xmlns:a14="http://schemas.microsoft.com/office/drawing/2010/main" xmlns="" w="9525">
                     <a:solidFill>
                       <a:srgbClr val="000000"/>
                     </a:solidFill>
@@ -10219,7 +10223,7 @@
               </a:ln>
               <a:extLst>
                 <a:ext uri="{91240B29-F687-4f45-9708-019B960494DF}">
-                  <a14:hiddenLine xmlns="" xmlns:a14="http://schemas.microsoft.com/office/drawing/2010/main" w="9525">
+                  <a14:hiddenLine xmlns:a14="http://schemas.microsoft.com/office/drawing/2010/main" xmlns="" w="9525">
                     <a:solidFill>
                       <a:srgbClr val="000000"/>
                     </a:solidFill>
@@ -10284,7 +10288,7 @@
               </a:ln>
               <a:extLst>
                 <a:ext uri="{91240B29-F687-4f45-9708-019B960494DF}">
-                  <a14:hiddenLine xmlns="" xmlns:a14="http://schemas.microsoft.com/office/drawing/2010/main" w="9525">
+                  <a14:hiddenLine xmlns:a14="http://schemas.microsoft.com/office/drawing/2010/main" xmlns="" w="9525">
                     <a:solidFill>
                       <a:srgbClr val="000000"/>
                     </a:solidFill>
@@ -10374,7 +10378,7 @@
               </a:ln>
               <a:extLst>
                 <a:ext uri="{91240B29-F687-4f45-9708-019B960494DF}">
-                  <a14:hiddenLine xmlns="" xmlns:a14="http://schemas.microsoft.com/office/drawing/2010/main" w="9525">
+                  <a14:hiddenLine xmlns:a14="http://schemas.microsoft.com/office/drawing/2010/main" xmlns="" w="9525">
                     <a:solidFill>
                       <a:srgbClr val="000000"/>
                     </a:solidFill>
@@ -10436,7 +10440,7 @@
               </a:ln>
               <a:extLst>
                 <a:ext uri="{91240B29-F687-4f45-9708-019B960494DF}">
-                  <a14:hiddenLine xmlns="" xmlns:a14="http://schemas.microsoft.com/office/drawing/2010/main" w="9525">
+                  <a14:hiddenLine xmlns:a14="http://schemas.microsoft.com/office/drawing/2010/main" xmlns="" w="9525">
                     <a:solidFill>
                       <a:srgbClr val="000000"/>
                     </a:solidFill>
@@ -10526,7 +10530,7 @@
               </a:ln>
               <a:extLst>
                 <a:ext uri="{91240B29-F687-4f45-9708-019B960494DF}">
-                  <a14:hiddenLine xmlns="" xmlns:a14="http://schemas.microsoft.com/office/drawing/2010/main" w="9525">
+                  <a14:hiddenLine xmlns:a14="http://schemas.microsoft.com/office/drawing/2010/main" xmlns="" w="9525">
                     <a:solidFill>
                       <a:srgbClr val="000000"/>
                     </a:solidFill>
@@ -10591,7 +10595,7 @@
               </a:ln>
               <a:extLst>
                 <a:ext uri="{91240B29-F687-4f45-9708-019B960494DF}">
-                  <a14:hiddenLine xmlns="" xmlns:a14="http://schemas.microsoft.com/office/drawing/2010/main" w="9525">
+                  <a14:hiddenLine xmlns:a14="http://schemas.microsoft.com/office/drawing/2010/main" xmlns="" w="9525">
                     <a:solidFill>
                       <a:srgbClr val="000000"/>
                     </a:solidFill>
@@ -10653,7 +10657,7 @@
               </a:ln>
               <a:extLst>
                 <a:ext uri="{91240B29-F687-4f45-9708-019B960494DF}">
-                  <a14:hiddenLine xmlns="" xmlns:a14="http://schemas.microsoft.com/office/drawing/2010/main" w="9525">
+                  <a14:hiddenLine xmlns:a14="http://schemas.microsoft.com/office/drawing/2010/main" xmlns="" w="9525">
                     <a:solidFill>
                       <a:srgbClr val="000000"/>
                     </a:solidFill>
@@ -10743,7 +10747,7 @@
               </a:ln>
               <a:extLst>
                 <a:ext uri="{91240B29-F687-4f45-9708-019B960494DF}">
-                  <a14:hiddenLine xmlns="" xmlns:a14="http://schemas.microsoft.com/office/drawing/2010/main" w="9525">
+                  <a14:hiddenLine xmlns:a14="http://schemas.microsoft.com/office/drawing/2010/main" xmlns="" w="9525">
                     <a:solidFill>
                       <a:srgbClr val="000000"/>
                     </a:solidFill>
@@ -10833,7 +10837,7 @@
               </a:ln>
               <a:extLst>
                 <a:ext uri="{91240B29-F687-4f45-9708-019B960494DF}">
-                  <a14:hiddenLine xmlns="" xmlns:a14="http://schemas.microsoft.com/office/drawing/2010/main" w="9525">
+                  <a14:hiddenLine xmlns:a14="http://schemas.microsoft.com/office/drawing/2010/main" xmlns="" w="9525">
                     <a:solidFill>
                       <a:srgbClr val="000000"/>
                     </a:solidFill>
@@ -10898,7 +10902,7 @@
               </a:ln>
               <a:extLst>
                 <a:ext uri="{91240B29-F687-4f45-9708-019B960494DF}">
-                  <a14:hiddenLine xmlns="" xmlns:a14="http://schemas.microsoft.com/office/drawing/2010/main" w="9525">
+                  <a14:hiddenLine xmlns:a14="http://schemas.microsoft.com/office/drawing/2010/main" xmlns="" w="9525">
                     <a:solidFill>
                       <a:srgbClr val="000000"/>
                     </a:solidFill>
@@ -11018,7 +11022,7 @@
               </a:ln>
               <a:extLst>
                 <a:ext uri="{91240B29-F687-4f45-9708-019B960494DF}">
-                  <a14:hiddenLine xmlns="" xmlns:a14="http://schemas.microsoft.com/office/drawing/2010/main" w="9525">
+                  <a14:hiddenLine xmlns:a14="http://schemas.microsoft.com/office/drawing/2010/main" xmlns="" w="9525">
                     <a:solidFill>
                       <a:srgbClr val="000000"/>
                     </a:solidFill>
@@ -11099,7 +11103,7 @@
               </a:ln>
               <a:extLst>
                 <a:ext uri="{91240B29-F687-4f45-9708-019B960494DF}">
-                  <a14:hiddenLine xmlns="" xmlns:a14="http://schemas.microsoft.com/office/drawing/2010/main" w="9525">
+                  <a14:hiddenLine xmlns:a14="http://schemas.microsoft.com/office/drawing/2010/main" xmlns="" w="9525">
                     <a:solidFill>
                       <a:srgbClr val="000000"/>
                     </a:solidFill>
@@ -11214,7 +11218,7 @@
               </a:ln>
               <a:extLst>
                 <a:ext uri="{91240B29-F687-4f45-9708-019B960494DF}">
-                  <a14:hiddenLine xmlns="" xmlns:a14="http://schemas.microsoft.com/office/drawing/2010/main" w="9525">
+                  <a14:hiddenLine xmlns:a14="http://schemas.microsoft.com/office/drawing/2010/main" xmlns="" w="9525">
                     <a:solidFill>
                       <a:srgbClr val="000000"/>
                     </a:solidFill>
@@ -11304,7 +11308,7 @@
               </a:ln>
               <a:extLst>
                 <a:ext uri="{91240B29-F687-4f45-9708-019B960494DF}">
-                  <a14:hiddenLine xmlns="" xmlns:a14="http://schemas.microsoft.com/office/drawing/2010/main" w="9525">
+                  <a14:hiddenLine xmlns:a14="http://schemas.microsoft.com/office/drawing/2010/main" xmlns="" w="9525">
                     <a:solidFill>
                       <a:srgbClr val="000000"/>
                     </a:solidFill>
@@ -11369,7 +11373,7 @@
               </a:ln>
               <a:extLst>
                 <a:ext uri="{91240B29-F687-4f45-9708-019B960494DF}">
-                  <a14:hiddenLine xmlns="" xmlns:a14="http://schemas.microsoft.com/office/drawing/2010/main" w="9525">
+                  <a14:hiddenLine xmlns:a14="http://schemas.microsoft.com/office/drawing/2010/main" xmlns="" w="9525">
                     <a:solidFill>
                       <a:srgbClr val="000000"/>
                     </a:solidFill>
@@ -11459,7 +11463,7 @@
               </a:ln>
               <a:extLst>
                 <a:ext uri="{91240B29-F687-4f45-9708-019B960494DF}">
-                  <a14:hiddenLine xmlns="" xmlns:a14="http://schemas.microsoft.com/office/drawing/2010/main" w="9525">
+                  <a14:hiddenLine xmlns:a14="http://schemas.microsoft.com/office/drawing/2010/main" xmlns="" w="9525">
                     <a:solidFill>
                       <a:srgbClr val="000000"/>
                     </a:solidFill>
@@ -11527,7 +11531,7 @@
               </a:ln>
               <a:extLst>
                 <a:ext uri="{91240B29-F687-4f45-9708-019B960494DF}">
-                  <a14:hiddenLine xmlns="" xmlns:a14="http://schemas.microsoft.com/office/drawing/2010/main" w="9525">
+                  <a14:hiddenLine xmlns:a14="http://schemas.microsoft.com/office/drawing/2010/main" xmlns="" w="9525">
                     <a:solidFill>
                       <a:srgbClr val="000000"/>
                     </a:solidFill>
@@ -11617,7 +11621,7 @@
               </a:ln>
               <a:extLst>
                 <a:ext uri="{91240B29-F687-4f45-9708-019B960494DF}">
-                  <a14:hiddenLine xmlns="" xmlns:a14="http://schemas.microsoft.com/office/drawing/2010/main" w="9525">
+                  <a14:hiddenLine xmlns:a14="http://schemas.microsoft.com/office/drawing/2010/main" xmlns="" w="9525">
                     <a:solidFill>
                       <a:srgbClr val="000000"/>
                     </a:solidFill>
@@ -11685,7 +11689,7 @@
               </a:ln>
               <a:extLst>
                 <a:ext uri="{91240B29-F687-4f45-9708-019B960494DF}">
-                  <a14:hiddenLine xmlns="" xmlns:a14="http://schemas.microsoft.com/office/drawing/2010/main" w="9525">
+                  <a14:hiddenLine xmlns:a14="http://schemas.microsoft.com/office/drawing/2010/main" xmlns="" w="9525">
                     <a:solidFill>
                       <a:srgbClr val="000000"/>
                     </a:solidFill>
@@ -11775,7 +11779,7 @@
               </a:ln>
               <a:extLst>
                 <a:ext uri="{91240B29-F687-4f45-9708-019B960494DF}">
-                  <a14:hiddenLine xmlns="" xmlns:a14="http://schemas.microsoft.com/office/drawing/2010/main" w="9525">
+                  <a14:hiddenLine xmlns:a14="http://schemas.microsoft.com/office/drawing/2010/main" xmlns="" w="9525">
                     <a:solidFill>
                       <a:srgbClr val="000000"/>
                     </a:solidFill>
@@ -11809,7 +11813,7 @@
               </a:ln>
               <a:extLst>
                 <a:ext uri="{91240B29-F687-4f45-9708-019B960494DF}">
-                  <a14:hiddenLine xmlns="" xmlns:a14="http://schemas.microsoft.com/office/drawing/2010/main" w="9525">
+                  <a14:hiddenLine xmlns:a14="http://schemas.microsoft.com/office/drawing/2010/main" xmlns="" w="9525">
                     <a:solidFill>
                       <a:srgbClr val="000000"/>
                     </a:solidFill>
@@ -15248,62 +15252,6 @@
       </p:sp>
       <p:sp>
         <p:nvSpPr>
-          <p:cNvPr id="10" name="Elipse 9">
-            <a:extLst>
-              <a:ext uri="{FF2B5EF4-FFF2-40B4-BE49-F238E27FC236}">
-                <a16:creationId xmlns:a16="http://schemas.microsoft.com/office/drawing/2014/main" id="{5396A711-403D-49B9-9EEF-7A68B5EDDCEA}"/>
-              </a:ext>
-            </a:extLst>
-          </p:cNvPr>
-          <p:cNvSpPr/>
-          <p:nvPr/>
-        </p:nvSpPr>
-        <p:spPr>
-          <a:xfrm>
-            <a:off x="10009658" y="1480192"/>
-            <a:ext cx="1908313" cy="1683026"/>
-          </a:xfrm>
-          <a:prstGeom prst="ellipse">
-            <a:avLst/>
-          </a:prstGeom>
-        </p:spPr>
-        <p:style>
-          <a:lnRef idx="2">
-            <a:schemeClr val="accent1">
-              <a:shade val="50000"/>
-            </a:schemeClr>
-          </a:lnRef>
-          <a:fillRef idx="1">
-            <a:schemeClr val="accent1"/>
-          </a:fillRef>
-          <a:effectRef idx="0">
-            <a:schemeClr val="accent1"/>
-          </a:effectRef>
-          <a:fontRef idx="minor">
-            <a:schemeClr val="lt1"/>
-          </a:fontRef>
-        </p:style>
-        <p:txBody>
-          <a:bodyPr rtlCol="0" anchor="ctr"/>
-          <a:lstStyle/>
-          <a:p>
-            <a:pPr algn="ctr"/>
-            <a:r>
-              <a:rPr lang="es-CO" dirty="0"/>
-              <a:t>INTERFAZ</a:t>
-            </a:r>
-          </a:p>
-          <a:p>
-            <a:pPr algn="ctr"/>
-            <a:r>
-              <a:rPr lang="es-CO" dirty="0"/>
-              <a:t>GRÁFICA</a:t>
-            </a:r>
-          </a:p>
-        </p:txBody>
-      </p:sp>
-      <p:sp>
-        <p:nvSpPr>
           <p:cNvPr id="11" name="Elipse 10">
             <a:extLst>
               <a:ext uri="{FF2B5EF4-FFF2-40B4-BE49-F238E27FC236}">
@@ -15884,52 +15832,6 @@
         <p:spPr>
           <a:xfrm rot="3566085">
             <a:off x="8435875" y="3335172"/>
-            <a:ext cx="844232" cy="482949"/>
-          </a:xfrm>
-          <a:prstGeom prst="rightArrow">
-            <a:avLst/>
-          </a:prstGeom>
-        </p:spPr>
-        <p:style>
-          <a:lnRef idx="2">
-            <a:schemeClr val="accent1">
-              <a:shade val="50000"/>
-            </a:schemeClr>
-          </a:lnRef>
-          <a:fillRef idx="1">
-            <a:schemeClr val="accent1"/>
-          </a:fillRef>
-          <a:effectRef idx="0">
-            <a:schemeClr val="accent1"/>
-          </a:effectRef>
-          <a:fontRef idx="minor">
-            <a:schemeClr val="lt1"/>
-          </a:fontRef>
-        </p:style>
-        <p:txBody>
-          <a:bodyPr rtlCol="0" anchor="ctr"/>
-          <a:lstStyle/>
-          <a:p>
-            <a:pPr algn="ctr"/>
-            <a:endParaRPr lang="es-CO"/>
-          </a:p>
-        </p:txBody>
-      </p:sp>
-      <p:sp>
-        <p:nvSpPr>
-          <p:cNvPr id="26" name="Flecha: a la derecha 25">
-            <a:extLst>
-              <a:ext uri="{FF2B5EF4-FFF2-40B4-BE49-F238E27FC236}">
-                <a16:creationId xmlns:a16="http://schemas.microsoft.com/office/drawing/2014/main" id="{DA3A933E-AD36-4759-A95A-81A3679EDE48}"/>
-              </a:ext>
-            </a:extLst>
-          </p:cNvPr>
-          <p:cNvSpPr/>
-          <p:nvPr/>
-        </p:nvSpPr>
-        <p:spPr>
-          <a:xfrm rot="498335">
-            <a:off x="9280612" y="1874442"/>
             <a:ext cx="844232" cy="482949"/>
           </a:xfrm>
           <a:prstGeom prst="rightArrow">
